--- a/presentazione_ns3.pptx
+++ b/presentazione_ns3.pptx
@@ -113,6 +113,11 @@
       </a:defRPr>
     </a:lvl9pPr>
   </p:defaultTextStyle>
+  <p:extLst>
+    <p:ext uri="{EFAFB233-063F-42B5-8137-9DF3F51BA10A}">
+      <p15:sldGuideLst xmlns:p15="http://schemas.microsoft.com/office/powerpoint/2012/main"/>
+    </p:ext>
+  </p:extLst>
 </p:presentation>
 </file>
 
@@ -345,7 +350,7 @@
           <a:p>
             <a:fld id="{A335C1A8-0FED-4291-B482-B15DF55C92E9}" type="datetimeFigureOut">
               <a:rPr lang="it-IT" smtClean="0"/>
-              <a:t>05/05/2022</a:t>
+              <a:t>09/05/2022</a:t>
             </a:fld>
             <a:endParaRPr lang="it-IT" dirty="0"/>
           </a:p>
@@ -679,7 +684,7 @@
           <a:p>
             <a:fld id="{A335C1A8-0FED-4291-B482-B15DF55C92E9}" type="datetimeFigureOut">
               <a:rPr lang="it-IT" smtClean="0"/>
-              <a:t>05/05/2022</a:t>
+              <a:t>09/05/2022</a:t>
             </a:fld>
             <a:endParaRPr lang="it-IT" dirty="0"/>
           </a:p>
@@ -957,7 +962,7 @@
           <a:p>
             <a:fld id="{A335C1A8-0FED-4291-B482-B15DF55C92E9}" type="datetimeFigureOut">
               <a:rPr lang="it-IT" smtClean="0"/>
-              <a:t>05/05/2022</a:t>
+              <a:t>09/05/2022</a:t>
             </a:fld>
             <a:endParaRPr lang="it-IT" dirty="0"/>
           </a:p>
@@ -1525,7 +1530,7 @@
           <a:p>
             <a:fld id="{A335C1A8-0FED-4291-B482-B15DF55C92E9}" type="datetimeFigureOut">
               <a:rPr lang="it-IT" smtClean="0"/>
-              <a:t>05/05/2022</a:t>
+              <a:t>09/05/2022</a:t>
             </a:fld>
             <a:endParaRPr lang="it-IT" dirty="0"/>
           </a:p>
@@ -1803,7 +1808,7 @@
           <a:p>
             <a:fld id="{A335C1A8-0FED-4291-B482-B15DF55C92E9}" type="datetimeFigureOut">
               <a:rPr lang="it-IT" smtClean="0"/>
-              <a:t>05/05/2022</a:t>
+              <a:t>09/05/2022</a:t>
             </a:fld>
             <a:endParaRPr lang="it-IT" dirty="0"/>
           </a:p>
@@ -2365,7 +2370,7 @@
           <a:p>
             <a:fld id="{A335C1A8-0FED-4291-B482-B15DF55C92E9}" type="datetimeFigureOut">
               <a:rPr lang="it-IT" smtClean="0"/>
-              <a:t>05/05/2022</a:t>
+              <a:t>09/05/2022</a:t>
             </a:fld>
             <a:endParaRPr lang="it-IT" dirty="0"/>
           </a:p>
@@ -2692,7 +2697,7 @@
           <a:p>
             <a:fld id="{A335C1A8-0FED-4291-B482-B15DF55C92E9}" type="datetimeFigureOut">
               <a:rPr lang="it-IT" smtClean="0"/>
-              <a:t>05/05/2022</a:t>
+              <a:t>09/05/2022</a:t>
             </a:fld>
             <a:endParaRPr lang="it-IT" dirty="0"/>
           </a:p>
@@ -2897,7 +2902,7 @@
           <a:p>
             <a:fld id="{A335C1A8-0FED-4291-B482-B15DF55C92E9}" type="datetimeFigureOut">
               <a:rPr lang="it-IT" smtClean="0"/>
-              <a:t>05/05/2022</a:t>
+              <a:t>09/05/2022</a:t>
             </a:fld>
             <a:endParaRPr lang="it-IT" dirty="0"/>
           </a:p>
@@ -3107,7 +3112,7 @@
           <a:p>
             <a:fld id="{A335C1A8-0FED-4291-B482-B15DF55C92E9}" type="datetimeFigureOut">
               <a:rPr lang="it-IT" smtClean="0"/>
-              <a:t>05/05/2022</a:t>
+              <a:t>09/05/2022</a:t>
             </a:fld>
             <a:endParaRPr lang="it-IT" dirty="0"/>
           </a:p>
@@ -3307,7 +3312,7 @@
           <a:p>
             <a:fld id="{A335C1A8-0FED-4291-B482-B15DF55C92E9}" type="datetimeFigureOut">
               <a:rPr lang="it-IT" smtClean="0"/>
-              <a:t>05/05/2022</a:t>
+              <a:t>09/05/2022</a:t>
             </a:fld>
             <a:endParaRPr lang="it-IT" dirty="0"/>
           </a:p>
@@ -3583,7 +3588,7 @@
           <a:p>
             <a:fld id="{A335C1A8-0FED-4291-B482-B15DF55C92E9}" type="datetimeFigureOut">
               <a:rPr lang="it-IT" smtClean="0"/>
-              <a:t>05/05/2022</a:t>
+              <a:t>09/05/2022</a:t>
             </a:fld>
             <a:endParaRPr lang="it-IT" dirty="0"/>
           </a:p>
@@ -3849,7 +3854,7 @@
           <a:p>
             <a:fld id="{A335C1A8-0FED-4291-B482-B15DF55C92E9}" type="datetimeFigureOut">
               <a:rPr lang="it-IT" smtClean="0"/>
-              <a:t>05/05/2022</a:t>
+              <a:t>09/05/2022</a:t>
             </a:fld>
             <a:endParaRPr lang="it-IT" dirty="0"/>
           </a:p>
@@ -4223,7 +4228,7 @@
           <a:p>
             <a:fld id="{A335C1A8-0FED-4291-B482-B15DF55C92E9}" type="datetimeFigureOut">
               <a:rPr lang="it-IT" smtClean="0"/>
-              <a:t>05/05/2022</a:t>
+              <a:t>09/05/2022</a:t>
             </a:fld>
             <a:endParaRPr lang="it-IT" dirty="0"/>
           </a:p>
@@ -4371,7 +4376,7 @@
           <a:p>
             <a:fld id="{A335C1A8-0FED-4291-B482-B15DF55C92E9}" type="datetimeFigureOut">
               <a:rPr lang="it-IT" smtClean="0"/>
-              <a:t>05/05/2022</a:t>
+              <a:t>09/05/2022</a:t>
             </a:fld>
             <a:endParaRPr lang="it-IT" dirty="0"/>
           </a:p>
@@ -4496,7 +4501,7 @@
           <a:p>
             <a:fld id="{A335C1A8-0FED-4291-B482-B15DF55C92E9}" type="datetimeFigureOut">
               <a:rPr lang="it-IT" smtClean="0"/>
-              <a:t>05/05/2022</a:t>
+              <a:t>09/05/2022</a:t>
             </a:fld>
             <a:endParaRPr lang="it-IT" dirty="0"/>
           </a:p>
@@ -4781,7 +4786,7 @@
           <a:p>
             <a:fld id="{A335C1A8-0FED-4291-B482-B15DF55C92E9}" type="datetimeFigureOut">
               <a:rPr lang="it-IT" smtClean="0"/>
-              <a:t>05/05/2022</a:t>
+              <a:t>09/05/2022</a:t>
             </a:fld>
             <a:endParaRPr lang="it-IT" dirty="0"/>
           </a:p>
@@ -5105,7 +5110,7 @@
           <a:p>
             <a:fld id="{A335C1A8-0FED-4291-B482-B15DF55C92E9}" type="datetimeFigureOut">
               <a:rPr lang="it-IT" smtClean="0"/>
-              <a:t>05/05/2022</a:t>
+              <a:t>09/05/2022</a:t>
             </a:fld>
             <a:endParaRPr lang="it-IT" dirty="0"/>
           </a:p>
@@ -5319,7 +5324,7 @@
           <a:p>
             <a:fld id="{A335C1A8-0FED-4291-B482-B15DF55C92E9}" type="datetimeFigureOut">
               <a:rPr lang="it-IT" smtClean="0"/>
-              <a:t>05/05/2022</a:t>
+              <a:t>09/05/2022</a:t>
             </a:fld>
             <a:endParaRPr lang="it-IT" dirty="0"/>
           </a:p>
@@ -5981,34 +5986,42 @@
           </a:p>
         </p:txBody>
       </p:sp>
-      <p:sp>
-        <p:nvSpPr>
-          <p:cNvPr id="3" name="Segnaposto contenuto 2">
+      <p:pic>
+        <p:nvPicPr>
+          <p:cNvPr id="5" name="Immagine 4" descr="Immagine che contiene testo&#10;&#10;Descrizione generata automaticamente">
             <a:extLst>
               <a:ext uri="{FF2B5EF4-FFF2-40B4-BE49-F238E27FC236}">
-                <a16:creationId xmlns:a16="http://schemas.microsoft.com/office/drawing/2014/main" id="{086FF24A-91F3-443C-016B-C71EB48C4338}"/>
+                <a16:creationId xmlns:a16="http://schemas.microsoft.com/office/drawing/2014/main" id="{04FFD194-A15B-6F61-18D8-25622899227F}"/>
               </a:ext>
             </a:extLst>
           </p:cNvPr>
-          <p:cNvSpPr>
-            <a:spLocks noGrp="1"/>
-          </p:cNvSpPr>
-          <p:nvPr>
-            <p:ph idx="1"/>
-          </p:nvPr>
-        </p:nvSpPr>
-        <p:spPr/>
-        <p:txBody>
-          <a:bodyPr/>
-          <a:lstStyle/>
-          <a:p>
-            <a:r>
-              <a:rPr lang="it-IT" dirty="0"/>
-              <a:t>Inserire foto log</a:t>
-            </a:r>
-          </a:p>
-        </p:txBody>
-      </p:sp>
+          <p:cNvPicPr>
+            <a:picLocks noChangeAspect="1"/>
+          </p:cNvPicPr>
+          <p:nvPr/>
+        </p:nvPicPr>
+        <p:blipFill>
+          <a:blip r:embed="rId2">
+            <a:extLst>
+              <a:ext uri="{28A0092B-C50C-407E-A947-70E740481C1C}">
+                <a14:useLocalDpi xmlns:a14="http://schemas.microsoft.com/office/drawing/2010/main" val="0"/>
+              </a:ext>
+            </a:extLst>
+          </a:blip>
+          <a:stretch>
+            <a:fillRect/>
+          </a:stretch>
+        </p:blipFill>
+        <p:spPr>
+          <a:xfrm>
+            <a:off x="977657" y="2497896"/>
+            <a:ext cx="10236685" cy="3525217"/>
+          </a:xfrm>
+          <a:prstGeom prst="rect">
+            <a:avLst/>
+          </a:prstGeom>
+        </p:spPr>
+      </p:pic>
     </p:spTree>
     <p:extLst>
       <p:ext uri="{BB962C8B-B14F-4D97-AF65-F5344CB8AC3E}">
@@ -6968,34 +6981,42 @@
           </a:p>
         </p:txBody>
       </p:sp>
-      <p:sp>
-        <p:nvSpPr>
-          <p:cNvPr id="3" name="Segnaposto contenuto 2">
+      <p:pic>
+        <p:nvPicPr>
+          <p:cNvPr id="5" name="Immagine 4">
             <a:extLst>
               <a:ext uri="{FF2B5EF4-FFF2-40B4-BE49-F238E27FC236}">
-                <a16:creationId xmlns:a16="http://schemas.microsoft.com/office/drawing/2014/main" id="{36764251-3CF4-3D85-CF0C-DEAA14B348C5}"/>
+                <a16:creationId xmlns:a16="http://schemas.microsoft.com/office/drawing/2014/main" id="{208D43CD-BC4B-25A3-FD1D-15A53FD7E4AA}"/>
               </a:ext>
             </a:extLst>
           </p:cNvPr>
-          <p:cNvSpPr>
-            <a:spLocks noGrp="1"/>
-          </p:cNvSpPr>
-          <p:nvPr>
-            <p:ph idx="1"/>
-          </p:nvPr>
-        </p:nvSpPr>
-        <p:spPr/>
-        <p:txBody>
-          <a:bodyPr/>
-          <a:lstStyle/>
-          <a:p>
-            <a:r>
-              <a:rPr lang="it-IT" dirty="0"/>
-              <a:t>Inserire foto log</a:t>
-            </a:r>
-          </a:p>
-        </p:txBody>
-      </p:sp>
+          <p:cNvPicPr>
+            <a:picLocks noChangeAspect="1"/>
+          </p:cNvPicPr>
+          <p:nvPr/>
+        </p:nvPicPr>
+        <p:blipFill>
+          <a:blip r:embed="rId2">
+            <a:extLst>
+              <a:ext uri="{28A0092B-C50C-407E-A947-70E740481C1C}">
+                <a14:useLocalDpi xmlns:a14="http://schemas.microsoft.com/office/drawing/2010/main" val="0"/>
+              </a:ext>
+            </a:extLst>
+          </a:blip>
+          <a:stretch>
+            <a:fillRect/>
+          </a:stretch>
+        </p:blipFill>
+        <p:spPr>
+          <a:xfrm>
+            <a:off x="604014" y="2804262"/>
+            <a:ext cx="10983969" cy="2960433"/>
+          </a:xfrm>
+          <a:prstGeom prst="rect">
+            <a:avLst/>
+          </a:prstGeom>
+        </p:spPr>
+      </p:pic>
     </p:spTree>
     <p:extLst>
       <p:ext uri="{BB962C8B-B14F-4D97-AF65-F5344CB8AC3E}">

--- a/presentazione_ns3.pptx
+++ b/presentazione_ns3.pptx
@@ -7,14 +7,16 @@
   <p:sldIdLst>
     <p:sldId id="256" r:id="rId2"/>
     <p:sldId id="257" r:id="rId3"/>
-    <p:sldId id="258" r:id="rId4"/>
-    <p:sldId id="259" r:id="rId5"/>
-    <p:sldId id="260" r:id="rId6"/>
-    <p:sldId id="261" r:id="rId7"/>
-    <p:sldId id="262" r:id="rId8"/>
-    <p:sldId id="263" r:id="rId9"/>
-    <p:sldId id="264" r:id="rId10"/>
-    <p:sldId id="265" r:id="rId11"/>
+    <p:sldId id="266" r:id="rId4"/>
+    <p:sldId id="258" r:id="rId5"/>
+    <p:sldId id="267" r:id="rId6"/>
+    <p:sldId id="259" r:id="rId7"/>
+    <p:sldId id="260" r:id="rId8"/>
+    <p:sldId id="261" r:id="rId9"/>
+    <p:sldId id="262" r:id="rId10"/>
+    <p:sldId id="263" r:id="rId11"/>
+    <p:sldId id="264" r:id="rId12"/>
+    <p:sldId id="265" r:id="rId13"/>
   </p:sldIdLst>
   <p:sldSz cx="12192000" cy="6858000"/>
   <p:notesSz cx="6858000" cy="9144000"/>
@@ -350,7 +352,7 @@
           <a:p>
             <a:fld id="{A335C1A8-0FED-4291-B482-B15DF55C92E9}" type="datetimeFigureOut">
               <a:rPr lang="it-IT" smtClean="0"/>
-              <a:t>09/05/2022</a:t>
+              <a:t>20/05/2022</a:t>
             </a:fld>
             <a:endParaRPr lang="it-IT" dirty="0"/>
           </a:p>
@@ -684,7 +686,7 @@
           <a:p>
             <a:fld id="{A335C1A8-0FED-4291-B482-B15DF55C92E9}" type="datetimeFigureOut">
               <a:rPr lang="it-IT" smtClean="0"/>
-              <a:t>09/05/2022</a:t>
+              <a:t>20/05/2022</a:t>
             </a:fld>
             <a:endParaRPr lang="it-IT" dirty="0"/>
           </a:p>
@@ -962,7 +964,7 @@
           <a:p>
             <a:fld id="{A335C1A8-0FED-4291-B482-B15DF55C92E9}" type="datetimeFigureOut">
               <a:rPr lang="it-IT" smtClean="0"/>
-              <a:t>09/05/2022</a:t>
+              <a:t>20/05/2022</a:t>
             </a:fld>
             <a:endParaRPr lang="it-IT" dirty="0"/>
           </a:p>
@@ -1530,7 +1532,7 @@
           <a:p>
             <a:fld id="{A335C1A8-0FED-4291-B482-B15DF55C92E9}" type="datetimeFigureOut">
               <a:rPr lang="it-IT" smtClean="0"/>
-              <a:t>09/05/2022</a:t>
+              <a:t>20/05/2022</a:t>
             </a:fld>
             <a:endParaRPr lang="it-IT" dirty="0"/>
           </a:p>
@@ -1808,7 +1810,7 @@
           <a:p>
             <a:fld id="{A335C1A8-0FED-4291-B482-B15DF55C92E9}" type="datetimeFigureOut">
               <a:rPr lang="it-IT" smtClean="0"/>
-              <a:t>09/05/2022</a:t>
+              <a:t>20/05/2022</a:t>
             </a:fld>
             <a:endParaRPr lang="it-IT" dirty="0"/>
           </a:p>
@@ -2370,7 +2372,7 @@
           <a:p>
             <a:fld id="{A335C1A8-0FED-4291-B482-B15DF55C92E9}" type="datetimeFigureOut">
               <a:rPr lang="it-IT" smtClean="0"/>
-              <a:t>09/05/2022</a:t>
+              <a:t>20/05/2022</a:t>
             </a:fld>
             <a:endParaRPr lang="it-IT" dirty="0"/>
           </a:p>
@@ -2697,7 +2699,7 @@
           <a:p>
             <a:fld id="{A335C1A8-0FED-4291-B482-B15DF55C92E9}" type="datetimeFigureOut">
               <a:rPr lang="it-IT" smtClean="0"/>
-              <a:t>09/05/2022</a:t>
+              <a:t>20/05/2022</a:t>
             </a:fld>
             <a:endParaRPr lang="it-IT" dirty="0"/>
           </a:p>
@@ -2902,7 +2904,7 @@
           <a:p>
             <a:fld id="{A335C1A8-0FED-4291-B482-B15DF55C92E9}" type="datetimeFigureOut">
               <a:rPr lang="it-IT" smtClean="0"/>
-              <a:t>09/05/2022</a:t>
+              <a:t>20/05/2022</a:t>
             </a:fld>
             <a:endParaRPr lang="it-IT" dirty="0"/>
           </a:p>
@@ -3112,7 +3114,7 @@
           <a:p>
             <a:fld id="{A335C1A8-0FED-4291-B482-B15DF55C92E9}" type="datetimeFigureOut">
               <a:rPr lang="it-IT" smtClean="0"/>
-              <a:t>09/05/2022</a:t>
+              <a:t>20/05/2022</a:t>
             </a:fld>
             <a:endParaRPr lang="it-IT" dirty="0"/>
           </a:p>
@@ -3312,7 +3314,7 @@
           <a:p>
             <a:fld id="{A335C1A8-0FED-4291-B482-B15DF55C92E9}" type="datetimeFigureOut">
               <a:rPr lang="it-IT" smtClean="0"/>
-              <a:t>09/05/2022</a:t>
+              <a:t>20/05/2022</a:t>
             </a:fld>
             <a:endParaRPr lang="it-IT" dirty="0"/>
           </a:p>
@@ -3588,7 +3590,7 @@
           <a:p>
             <a:fld id="{A335C1A8-0FED-4291-B482-B15DF55C92E9}" type="datetimeFigureOut">
               <a:rPr lang="it-IT" smtClean="0"/>
-              <a:t>09/05/2022</a:t>
+              <a:t>20/05/2022</a:t>
             </a:fld>
             <a:endParaRPr lang="it-IT" dirty="0"/>
           </a:p>
@@ -3854,7 +3856,7 @@
           <a:p>
             <a:fld id="{A335C1A8-0FED-4291-B482-B15DF55C92E9}" type="datetimeFigureOut">
               <a:rPr lang="it-IT" smtClean="0"/>
-              <a:t>09/05/2022</a:t>
+              <a:t>20/05/2022</a:t>
             </a:fld>
             <a:endParaRPr lang="it-IT" dirty="0"/>
           </a:p>
@@ -4228,7 +4230,7 @@
           <a:p>
             <a:fld id="{A335C1A8-0FED-4291-B482-B15DF55C92E9}" type="datetimeFigureOut">
               <a:rPr lang="it-IT" smtClean="0"/>
-              <a:t>09/05/2022</a:t>
+              <a:t>20/05/2022</a:t>
             </a:fld>
             <a:endParaRPr lang="it-IT" dirty="0"/>
           </a:p>
@@ -4376,7 +4378,7 @@
           <a:p>
             <a:fld id="{A335C1A8-0FED-4291-B482-B15DF55C92E9}" type="datetimeFigureOut">
               <a:rPr lang="it-IT" smtClean="0"/>
-              <a:t>09/05/2022</a:t>
+              <a:t>20/05/2022</a:t>
             </a:fld>
             <a:endParaRPr lang="it-IT" dirty="0"/>
           </a:p>
@@ -4501,7 +4503,7 @@
           <a:p>
             <a:fld id="{A335C1A8-0FED-4291-B482-B15DF55C92E9}" type="datetimeFigureOut">
               <a:rPr lang="it-IT" smtClean="0"/>
-              <a:t>09/05/2022</a:t>
+              <a:t>20/05/2022</a:t>
             </a:fld>
             <a:endParaRPr lang="it-IT" dirty="0"/>
           </a:p>
@@ -4786,7 +4788,7 @@
           <a:p>
             <a:fld id="{A335C1A8-0FED-4291-B482-B15DF55C92E9}" type="datetimeFigureOut">
               <a:rPr lang="it-IT" smtClean="0"/>
-              <a:t>09/05/2022</a:t>
+              <a:t>20/05/2022</a:t>
             </a:fld>
             <a:endParaRPr lang="it-IT" dirty="0"/>
           </a:p>
@@ -5110,7 +5112,7 @@
           <a:p>
             <a:fld id="{A335C1A8-0FED-4291-B482-B15DF55C92E9}" type="datetimeFigureOut">
               <a:rPr lang="it-IT" smtClean="0"/>
-              <a:t>09/05/2022</a:t>
+              <a:t>20/05/2022</a:t>
             </a:fld>
             <a:endParaRPr lang="it-IT" dirty="0"/>
           </a:p>
@@ -5324,7 +5326,7 @@
           <a:p>
             <a:fld id="{A335C1A8-0FED-4291-B482-B15DF55C92E9}" type="datetimeFigureOut">
               <a:rPr lang="it-IT" smtClean="0"/>
-              <a:t>09/05/2022</a:t>
+              <a:t>20/05/2022</a:t>
             </a:fld>
             <a:endParaRPr lang="it-IT" dirty="0"/>
           </a:p>
@@ -5855,7 +5857,7 @@
         </p:nvSpPr>
         <p:spPr>
           <a:xfrm>
-            <a:off x="1519789" y="2126164"/>
+            <a:off x="1519789" y="1018817"/>
             <a:ext cx="9152421" cy="2605671"/>
           </a:xfrm>
           <a:noFill/>
@@ -5918,6 +5920,141 @@
           </a:p>
         </p:txBody>
       </p:sp>
+      <p:sp>
+        <p:nvSpPr>
+          <p:cNvPr id="4" name="CasellaDiTesto 3">
+            <a:extLst>
+              <a:ext uri="{FF2B5EF4-FFF2-40B4-BE49-F238E27FC236}">
+                <a16:creationId xmlns:a16="http://schemas.microsoft.com/office/drawing/2014/main" id="{D1AEA21C-61F9-A3E3-0C21-46680296F371}"/>
+              </a:ext>
+            </a:extLst>
+          </p:cNvPr>
+          <p:cNvSpPr txBox="1"/>
+          <p:nvPr/>
+        </p:nvSpPr>
+        <p:spPr>
+          <a:xfrm>
+            <a:off x="8548017" y="5469849"/>
+            <a:ext cx="3204595" cy="646331"/>
+          </a:xfrm>
+          <a:prstGeom prst="rect">
+            <a:avLst/>
+          </a:prstGeom>
+          <a:noFill/>
+        </p:spPr>
+        <p:txBody>
+          <a:bodyPr wrap="square" rtlCol="0">
+            <a:spAutoFit/>
+          </a:bodyPr>
+          <a:lstStyle/>
+          <a:p>
+            <a:r>
+              <a:rPr lang="it-IT" dirty="0">
+                <a:latin typeface="Castellar" panose="020A0402060406010301" pitchFamily="18" charset="0"/>
+              </a:rPr>
+              <a:t>Nicola Carletti</a:t>
+            </a:r>
+            <a:br>
+              <a:rPr lang="it-IT" dirty="0">
+                <a:latin typeface="Castellar" panose="020A0402060406010301" pitchFamily="18" charset="0"/>
+              </a:rPr>
+            </a:br>
+            <a:r>
+              <a:rPr lang="it-IT" dirty="0">
+                <a:latin typeface="Castellar" panose="020A0402060406010301" pitchFamily="18" charset="0"/>
+              </a:rPr>
+              <a:t>Iacopo Simoncini</a:t>
+            </a:r>
+          </a:p>
+        </p:txBody>
+      </p:sp>
+      <p:pic>
+        <p:nvPicPr>
+          <p:cNvPr id="11" name="Immagine 10" descr="Immagine che contiene testo&#10;&#10;Descrizione generata automaticamente">
+            <a:extLst>
+              <a:ext uri="{FF2B5EF4-FFF2-40B4-BE49-F238E27FC236}">
+                <a16:creationId xmlns:a16="http://schemas.microsoft.com/office/drawing/2014/main" id="{4EC0AB71-1965-11E7-997A-D48CC5F758FA}"/>
+              </a:ext>
+            </a:extLst>
+          </p:cNvPr>
+          <p:cNvPicPr>
+            <a:picLocks noChangeAspect="1"/>
+          </p:cNvPicPr>
+          <p:nvPr/>
+        </p:nvPicPr>
+        <p:blipFill>
+          <a:blip r:embed="rId2">
+            <a:extLst>
+              <a:ext uri="{28A0092B-C50C-407E-A947-70E740481C1C}">
+                <a14:useLocalDpi xmlns:a14="http://schemas.microsoft.com/office/drawing/2010/main" val="0"/>
+              </a:ext>
+            </a:extLst>
+          </a:blip>
+          <a:stretch>
+            <a:fillRect/>
+          </a:stretch>
+        </p:blipFill>
+        <p:spPr>
+          <a:xfrm>
+            <a:off x="4179405" y="4151552"/>
+            <a:ext cx="3833190" cy="2082599"/>
+          </a:xfrm>
+          <a:prstGeom prst="rect">
+            <a:avLst/>
+          </a:prstGeom>
+        </p:spPr>
+      </p:pic>
+      <p:sp>
+        <p:nvSpPr>
+          <p:cNvPr id="14" name="CasellaDiTesto 13">
+            <a:extLst>
+              <a:ext uri="{FF2B5EF4-FFF2-40B4-BE49-F238E27FC236}">
+                <a16:creationId xmlns:a16="http://schemas.microsoft.com/office/drawing/2014/main" id="{A64A6097-4E92-1734-7B47-62A9C724997F}"/>
+              </a:ext>
+            </a:extLst>
+          </p:cNvPr>
+          <p:cNvSpPr txBox="1"/>
+          <p:nvPr/>
+        </p:nvSpPr>
+        <p:spPr>
+          <a:xfrm>
+            <a:off x="521805" y="5192851"/>
+            <a:ext cx="3657600" cy="1200329"/>
+          </a:xfrm>
+          <a:prstGeom prst="rect">
+            <a:avLst/>
+          </a:prstGeom>
+          <a:noFill/>
+        </p:spPr>
+        <p:txBody>
+          <a:bodyPr wrap="square" rtlCol="0">
+            <a:spAutoFit/>
+          </a:bodyPr>
+          <a:lstStyle/>
+          <a:p>
+            <a:r>
+              <a:rPr lang="it-IT" dirty="0">
+                <a:latin typeface="Castellar" panose="020A0402060406010301" pitchFamily="18" charset="0"/>
+              </a:rPr>
+              <a:t>BIG DATA ANALYTICS &amp; MACHINE LEARNING</a:t>
+            </a:r>
+          </a:p>
+          <a:p>
+            <a:endParaRPr lang="it-IT" dirty="0">
+              <a:latin typeface="Castellar" panose="020A0402060406010301" pitchFamily="18" charset="0"/>
+            </a:endParaRPr>
+          </a:p>
+          <a:p>
+            <a:r>
+              <a:rPr lang="it-IT" dirty="0">
+                <a:latin typeface="Castellar" panose="020A0402060406010301" pitchFamily="18" charset="0"/>
+              </a:rPr>
+              <a:t>PROF. Domenico POTENA</a:t>
+            </a:r>
+            <a:endParaRPr lang="it-IT" dirty="0"/>
+          </a:p>
+        </p:txBody>
+      </p:sp>
     </p:spTree>
     <p:extLst>
       <p:ext uri="{BB962C8B-B14F-4D97-AF65-F5344CB8AC3E}">
@@ -5953,6 +6090,312 @@
           <p:cNvPr id="2" name="Titolo 1">
             <a:extLst>
               <a:ext uri="{FF2B5EF4-FFF2-40B4-BE49-F238E27FC236}">
+                <a16:creationId xmlns:a16="http://schemas.microsoft.com/office/drawing/2014/main" id="{AC18AEE3-945C-BB04-3965-E6405CCE31E4}"/>
+              </a:ext>
+            </a:extLst>
+          </p:cNvPr>
+          <p:cNvSpPr>
+            <a:spLocks noGrp="1"/>
+          </p:cNvSpPr>
+          <p:nvPr>
+            <p:ph type="title"/>
+          </p:nvPr>
+        </p:nvSpPr>
+        <p:spPr>
+          <a:xfrm>
+            <a:off x="1030287" y="685800"/>
+            <a:ext cx="10131425" cy="1456267"/>
+          </a:xfrm>
+        </p:spPr>
+        <p:txBody>
+          <a:bodyPr>
+            <a:normAutofit/>
+          </a:bodyPr>
+          <a:lstStyle/>
+          <a:p>
+            <a:pPr algn="ctr"/>
+            <a:r>
+              <a:rPr lang="it-IT" sz="4400" dirty="0">
+                <a:latin typeface="Castellar" panose="020A0402060406010301" pitchFamily="18" charset="0"/>
+              </a:rPr>
+              <a:t>RSRP/SINR</a:t>
+            </a:r>
+          </a:p>
+        </p:txBody>
+      </p:sp>
+      <p:sp>
+        <p:nvSpPr>
+          <p:cNvPr id="3" name="Segnaposto contenuto 2">
+            <a:extLst>
+              <a:ext uri="{FF2B5EF4-FFF2-40B4-BE49-F238E27FC236}">
+                <a16:creationId xmlns:a16="http://schemas.microsoft.com/office/drawing/2014/main" id="{603195A7-363D-5543-2E23-60347E48E3D3}"/>
+              </a:ext>
+            </a:extLst>
+          </p:cNvPr>
+          <p:cNvSpPr>
+            <a:spLocks noGrp="1"/>
+          </p:cNvSpPr>
+          <p:nvPr>
+            <p:ph idx="1"/>
+          </p:nvPr>
+        </p:nvSpPr>
+        <p:spPr>
+          <a:xfrm>
+            <a:off x="1030287" y="2147221"/>
+            <a:ext cx="10131425" cy="3649133"/>
+          </a:xfrm>
+        </p:spPr>
+        <p:txBody>
+          <a:bodyPr>
+            <a:normAutofit/>
+          </a:bodyPr>
+          <a:lstStyle/>
+          <a:p>
+            <a:pPr marL="0" indent="0">
+              <a:buNone/>
+            </a:pPr>
+            <a:r>
+              <a:rPr lang="it-IT" sz="2400" dirty="0"/>
+              <a:t>Questi due parametri sono relativi allo stato della rete cellulare. </a:t>
+            </a:r>
+          </a:p>
+          <a:p>
+            <a:pPr marL="0" indent="0">
+              <a:buNone/>
+            </a:pPr>
+            <a:r>
+              <a:rPr lang="it-IT" sz="2400" dirty="0"/>
+              <a:t>Per i valori relativi al parametro </a:t>
+            </a:r>
+            <a:r>
+              <a:rPr lang="it-IT" sz="2400" dirty="0" err="1"/>
+              <a:t>rsrp</a:t>
+            </a:r>
+            <a:r>
+              <a:rPr lang="it-IT" sz="2400" dirty="0"/>
+              <a:t> sono state calcolate media e mediana, mentre per il parametro </a:t>
+            </a:r>
+            <a:r>
+              <a:rPr lang="it-IT" sz="2400" dirty="0" err="1"/>
+              <a:t>sinr</a:t>
+            </a:r>
+            <a:r>
+              <a:rPr lang="it-IT" sz="2400" dirty="0"/>
+              <a:t> solo la media.</a:t>
+            </a:r>
+          </a:p>
+        </p:txBody>
+      </p:sp>
+    </p:spTree>
+    <p:extLst>
+      <p:ext uri="{BB962C8B-B14F-4D97-AF65-F5344CB8AC3E}">
+        <p14:creationId xmlns:p14="http://schemas.microsoft.com/office/powerpoint/2010/main" val="4262540859"/>
+      </p:ext>
+    </p:extLst>
+  </p:cSld>
+  <p:clrMapOvr>
+    <a:masterClrMapping/>
+  </p:clrMapOvr>
+</p:sld>
+</file>
+
+<file path=ppt/slides/slide11.xml><?xml version="1.0" encoding="utf-8"?>
+<p:sld xmlns:a="http://schemas.openxmlformats.org/drawingml/2006/main" xmlns:r="http://schemas.openxmlformats.org/officeDocument/2006/relationships" xmlns:p="http://schemas.openxmlformats.org/presentationml/2006/main">
+  <p:cSld>
+    <p:spTree>
+      <p:nvGrpSpPr>
+        <p:cNvPr id="1" name=""/>
+        <p:cNvGrpSpPr/>
+        <p:nvPr/>
+      </p:nvGrpSpPr>
+      <p:grpSpPr>
+        <a:xfrm>
+          <a:off x="0" y="0"/>
+          <a:ext cx="0" cy="0"/>
+          <a:chOff x="0" y="0"/>
+          <a:chExt cx="0" cy="0"/>
+        </a:xfrm>
+      </p:grpSpPr>
+      <p:sp>
+        <p:nvSpPr>
+          <p:cNvPr id="2" name="Titolo 1">
+            <a:extLst>
+              <a:ext uri="{FF2B5EF4-FFF2-40B4-BE49-F238E27FC236}">
+                <a16:creationId xmlns:a16="http://schemas.microsoft.com/office/drawing/2014/main" id="{ED503F89-7774-6CE3-DD6A-5D5958CAE10D}"/>
+              </a:ext>
+            </a:extLst>
+          </p:cNvPr>
+          <p:cNvSpPr>
+            <a:spLocks noGrp="1"/>
+          </p:cNvSpPr>
+          <p:nvPr>
+            <p:ph type="title"/>
+          </p:nvPr>
+        </p:nvSpPr>
+        <p:spPr>
+          <a:xfrm>
+            <a:off x="1030287" y="477078"/>
+            <a:ext cx="10131425" cy="1456267"/>
+          </a:xfrm>
+        </p:spPr>
+        <p:txBody>
+          <a:bodyPr>
+            <a:normAutofit/>
+          </a:bodyPr>
+          <a:lstStyle/>
+          <a:p>
+            <a:pPr algn="ctr"/>
+            <a:r>
+              <a:rPr lang="it-IT" sz="4400" dirty="0">
+                <a:latin typeface="Castellar" panose="020A0402060406010301" pitchFamily="18" charset="0"/>
+              </a:rPr>
+              <a:t>Log_o5.csv</a:t>
+            </a:r>
+          </a:p>
+        </p:txBody>
+      </p:sp>
+      <p:pic>
+        <p:nvPicPr>
+          <p:cNvPr id="5" name="Immagine 4">
+            <a:extLst>
+              <a:ext uri="{FF2B5EF4-FFF2-40B4-BE49-F238E27FC236}">
+                <a16:creationId xmlns:a16="http://schemas.microsoft.com/office/drawing/2014/main" id="{208D43CD-BC4B-25A3-FD1D-15A53FD7E4AA}"/>
+              </a:ext>
+            </a:extLst>
+          </p:cNvPr>
+          <p:cNvPicPr>
+            <a:picLocks noChangeAspect="1"/>
+          </p:cNvPicPr>
+          <p:nvPr/>
+        </p:nvPicPr>
+        <p:blipFill rotWithShape="1">
+          <a:blip r:embed="rId2">
+            <a:extLst>
+              <a:ext uri="{28A0092B-C50C-407E-A947-70E740481C1C}">
+                <a14:useLocalDpi xmlns:a14="http://schemas.microsoft.com/office/drawing/2010/main" val="0"/>
+              </a:ext>
+            </a:extLst>
+          </a:blip>
+          <a:srcRect l="144" t="31090" b="19833"/>
+          <a:stretch/>
+        </p:blipFill>
+        <p:spPr>
+          <a:xfrm>
+            <a:off x="230639" y="3916017"/>
+            <a:ext cx="11730722" cy="1987826"/>
+          </a:xfrm>
+          <a:prstGeom prst="rect">
+            <a:avLst/>
+          </a:prstGeom>
+        </p:spPr>
+      </p:pic>
+      <p:pic>
+        <p:nvPicPr>
+          <p:cNvPr id="9" name="Immagine 8">
+            <a:extLst>
+              <a:ext uri="{FF2B5EF4-FFF2-40B4-BE49-F238E27FC236}">
+                <a16:creationId xmlns:a16="http://schemas.microsoft.com/office/drawing/2014/main" id="{DD3203A8-6053-77AA-B111-5C6DE46C7F15}"/>
+              </a:ext>
+            </a:extLst>
+          </p:cNvPr>
+          <p:cNvPicPr>
+            <a:picLocks/>
+          </p:cNvPicPr>
+          <p:nvPr/>
+        </p:nvPicPr>
+        <p:blipFill>
+          <a:blip r:embed="rId3">
+            <a:extLst>
+              <a:ext uri="{28A0092B-C50C-407E-A947-70E740481C1C}">
+                <a14:useLocalDpi xmlns:a14="http://schemas.microsoft.com/office/drawing/2010/main" val="0"/>
+              </a:ext>
+            </a:extLst>
+          </a:blip>
+          <a:stretch>
+            <a:fillRect/>
+          </a:stretch>
+        </p:blipFill>
+        <p:spPr>
+          <a:xfrm>
+            <a:off x="717812" y="1940624"/>
+            <a:ext cx="10800000" cy="219600"/>
+          </a:xfrm>
+          <a:prstGeom prst="rect">
+            <a:avLst/>
+          </a:prstGeom>
+        </p:spPr>
+      </p:pic>
+      <p:pic>
+        <p:nvPicPr>
+          <p:cNvPr id="11" name="Immagine 10">
+            <a:extLst>
+              <a:ext uri="{FF2B5EF4-FFF2-40B4-BE49-F238E27FC236}">
+                <a16:creationId xmlns:a16="http://schemas.microsoft.com/office/drawing/2014/main" id="{021B13FB-1602-42BF-EF8D-5B813342D1BD}"/>
+              </a:ext>
+            </a:extLst>
+          </p:cNvPr>
+          <p:cNvPicPr>
+            <a:picLocks/>
+          </p:cNvPicPr>
+          <p:nvPr/>
+        </p:nvPicPr>
+        <p:blipFill>
+          <a:blip r:embed="rId4">
+            <a:extLst>
+              <a:ext uri="{28A0092B-C50C-407E-A947-70E740481C1C}">
+                <a14:useLocalDpi xmlns:a14="http://schemas.microsoft.com/office/drawing/2010/main" val="0"/>
+              </a:ext>
+            </a:extLst>
+          </a:blip>
+          <a:stretch>
+            <a:fillRect/>
+          </a:stretch>
+        </p:blipFill>
+        <p:spPr>
+          <a:xfrm>
+            <a:off x="717813" y="2522953"/>
+            <a:ext cx="10800000" cy="237600"/>
+          </a:xfrm>
+          <a:prstGeom prst="rect">
+            <a:avLst/>
+          </a:prstGeom>
+        </p:spPr>
+      </p:pic>
+    </p:spTree>
+    <p:extLst>
+      <p:ext uri="{BB962C8B-B14F-4D97-AF65-F5344CB8AC3E}">
+        <p14:creationId xmlns:p14="http://schemas.microsoft.com/office/powerpoint/2010/main" val="2407907255"/>
+      </p:ext>
+    </p:extLst>
+  </p:cSld>
+  <p:clrMapOvr>
+    <a:masterClrMapping/>
+  </p:clrMapOvr>
+</p:sld>
+</file>
+
+<file path=ppt/slides/slide12.xml><?xml version="1.0" encoding="utf-8"?>
+<p:sld xmlns:a="http://schemas.openxmlformats.org/drawingml/2006/main" xmlns:r="http://schemas.openxmlformats.org/officeDocument/2006/relationships" xmlns:p="http://schemas.openxmlformats.org/presentationml/2006/main">
+  <p:cSld>
+    <p:spTree>
+      <p:nvGrpSpPr>
+        <p:cNvPr id="1" name=""/>
+        <p:cNvGrpSpPr/>
+        <p:nvPr/>
+      </p:nvGrpSpPr>
+      <p:grpSpPr>
+        <a:xfrm>
+          <a:off x="0" y="0"/>
+          <a:ext cx="0" cy="0"/>
+          <a:chOff x="0" y="0"/>
+          <a:chExt cx="0" cy="0"/>
+        </a:xfrm>
+      </p:grpSpPr>
+      <p:sp>
+        <p:nvSpPr>
+          <p:cNvPr id="2" name="Titolo 1">
+            <a:extLst>
+              <a:ext uri="{FF2B5EF4-FFF2-40B4-BE49-F238E27FC236}">
                 <a16:creationId xmlns:a16="http://schemas.microsoft.com/office/drawing/2014/main" id="{A8100D5C-2995-D8A0-E964-413716C7D253}"/>
               </a:ext>
             </a:extLst>
@@ -6016,6 +6459,42 @@
           <a:xfrm>
             <a:off x="977657" y="2497896"/>
             <a:ext cx="10236685" cy="3525217"/>
+          </a:xfrm>
+          <a:prstGeom prst="rect">
+            <a:avLst/>
+          </a:prstGeom>
+        </p:spPr>
+      </p:pic>
+      <p:pic>
+        <p:nvPicPr>
+          <p:cNvPr id="4" name="Immagine 3">
+            <a:extLst>
+              <a:ext uri="{FF2B5EF4-FFF2-40B4-BE49-F238E27FC236}">
+                <a16:creationId xmlns:a16="http://schemas.microsoft.com/office/drawing/2014/main" id="{12F887A9-2E47-82A0-CC04-6AEFA4BABB86}"/>
+              </a:ext>
+            </a:extLst>
+          </p:cNvPr>
+          <p:cNvPicPr>
+            <a:picLocks noChangeAspect="1"/>
+          </p:cNvPicPr>
+          <p:nvPr/>
+        </p:nvPicPr>
+        <p:blipFill>
+          <a:blip r:embed="rId3">
+            <a:extLst>
+              <a:ext uri="{28A0092B-C50C-407E-A947-70E740481C1C}">
+                <a14:useLocalDpi xmlns:a14="http://schemas.microsoft.com/office/drawing/2010/main" val="0"/>
+              </a:ext>
+            </a:extLst>
+          </a:blip>
+          <a:stretch>
+            <a:fillRect/>
+          </a:stretch>
+        </p:blipFill>
+        <p:spPr>
+          <a:xfrm>
+            <a:off x="977657" y="2020064"/>
+            <a:ext cx="10236685" cy="207151"/>
           </a:xfrm>
           <a:prstGeom prst="rect">
             <a:avLst/>
@@ -6178,7 +6657,7 @@
           <p:cNvPr id="2" name="Titolo 1">
             <a:extLst>
               <a:ext uri="{FF2B5EF4-FFF2-40B4-BE49-F238E27FC236}">
-                <a16:creationId xmlns:a16="http://schemas.microsoft.com/office/drawing/2014/main" id="{18C35758-8CC4-FB5D-EFB3-6E2EE3BEAB34}"/>
+                <a16:creationId xmlns:a16="http://schemas.microsoft.com/office/drawing/2014/main" id="{56C98EDA-8A8E-BDBF-57C3-EEC06F128C84}"/>
               </a:ext>
             </a:extLst>
           </p:cNvPr>
@@ -6191,7 +6670,7 @@
         </p:nvSpPr>
         <p:spPr>
           <a:xfrm>
-            <a:off x="1030287" y="649356"/>
+            <a:off x="842045" y="685800"/>
             <a:ext cx="10131425" cy="1456267"/>
           </a:xfrm>
         </p:spPr>
@@ -6206,7 +6685,7 @@
               <a:rPr lang="it-IT" sz="4400" dirty="0">
                 <a:latin typeface="Castellar" panose="020A0402060406010301" pitchFamily="18" charset="0"/>
               </a:rPr>
-              <a:t>NS3-DASH</a:t>
+              <a:t>Terminologia</a:t>
             </a:r>
           </a:p>
         </p:txBody>
@@ -6216,7 +6695,7 @@
           <p:cNvPr id="3" name="Segnaposto contenuto 2">
             <a:extLst>
               <a:ext uri="{FF2B5EF4-FFF2-40B4-BE49-F238E27FC236}">
-                <a16:creationId xmlns:a16="http://schemas.microsoft.com/office/drawing/2014/main" id="{F3C785BD-52A7-C02E-6897-7BE60A594060}"/>
+                <a16:creationId xmlns:a16="http://schemas.microsoft.com/office/drawing/2014/main" id="{7434536A-5E9F-3CAD-F5C1-35DB37456640}"/>
               </a:ext>
             </a:extLst>
           </p:cNvPr>
@@ -6229,8 +6708,8 @@
         </p:nvSpPr>
         <p:spPr>
           <a:xfrm>
-            <a:off x="1030287" y="2301093"/>
-            <a:ext cx="10131425" cy="3649133"/>
+            <a:off x="998290" y="2142067"/>
+            <a:ext cx="9818936" cy="3649133"/>
           </a:xfrm>
         </p:spPr>
         <p:txBody>
@@ -6241,13 +6720,35 @@
           <a:p>
             <a:r>
               <a:rPr lang="it-IT" sz="2400" dirty="0"/>
-              <a:t>Ns3 è la libreria (per c++) che abbiamo utilizzato per simulare la rete</a:t>
+              <a:t>Pacchetto: unità minima di dato inviato in ns3</a:t>
             </a:r>
           </a:p>
           <a:p>
             <a:r>
               <a:rPr lang="it-IT" sz="2400" dirty="0"/>
-              <a:t>Ns3-dash è il modulo aggiuntivo per ns3 che permette di simulare l’utilizzo del protocollo dash</a:t>
+              <a:t>Frame: equivalente ad un pacchetto</a:t>
+            </a:r>
+          </a:p>
+          <a:p>
+            <a:r>
+              <a:rPr lang="it-IT" sz="2400" dirty="0"/>
+              <a:t>Segmento: partizioni di video suddivise in 100 frame</a:t>
+            </a:r>
+          </a:p>
+          <a:p>
+            <a:r>
+              <a:rPr lang="it-IT" sz="2400" dirty="0"/>
+              <a:t>UE: terminali</a:t>
+            </a:r>
+          </a:p>
+          <a:p>
+            <a:r>
+              <a:rPr lang="it-IT" sz="2400" dirty="0" err="1"/>
+              <a:t>eNb</a:t>
+            </a:r>
+            <a:r>
+              <a:rPr lang="it-IT" sz="2400" dirty="0"/>
+              <a:t>: antenne</a:t>
             </a:r>
           </a:p>
         </p:txBody>
@@ -6255,7 +6756,7 @@
     </p:spTree>
     <p:extLst>
       <p:ext uri="{BB962C8B-B14F-4D97-AF65-F5344CB8AC3E}">
-        <p14:creationId xmlns:p14="http://schemas.microsoft.com/office/powerpoint/2010/main" val="3593448370"/>
+        <p14:creationId xmlns:p14="http://schemas.microsoft.com/office/powerpoint/2010/main" val="512781016"/>
       </p:ext>
     </p:extLst>
   </p:cSld>
@@ -6287,7 +6788,7 @@
           <p:cNvPr id="2" name="Titolo 1">
             <a:extLst>
               <a:ext uri="{FF2B5EF4-FFF2-40B4-BE49-F238E27FC236}">
-                <a16:creationId xmlns:a16="http://schemas.microsoft.com/office/drawing/2014/main" id="{E3B14A35-5A6D-001E-06FA-B47DB50D701F}"/>
+                <a16:creationId xmlns:a16="http://schemas.microsoft.com/office/drawing/2014/main" id="{18C35758-8CC4-FB5D-EFB3-6E2EE3BEAB34}"/>
               </a:ext>
             </a:extLst>
           </p:cNvPr>
@@ -6300,7 +6801,7 @@
         </p:nvSpPr>
         <p:spPr>
           <a:xfrm>
-            <a:off x="1030287" y="516835"/>
+            <a:off x="1030287" y="649356"/>
             <a:ext cx="10131425" cy="1456267"/>
           </a:xfrm>
         </p:spPr>
@@ -6315,7 +6816,7 @@
               <a:rPr lang="it-IT" sz="4400" dirty="0">
                 <a:latin typeface="Castellar" panose="020A0402060406010301" pitchFamily="18" charset="0"/>
               </a:rPr>
-              <a:t>simulazione</a:t>
+              <a:t>NS3-DASH</a:t>
             </a:r>
           </a:p>
         </p:txBody>
@@ -6325,7 +6826,7 @@
           <p:cNvPr id="3" name="Segnaposto contenuto 2">
             <a:extLst>
               <a:ext uri="{FF2B5EF4-FFF2-40B4-BE49-F238E27FC236}">
-                <a16:creationId xmlns:a16="http://schemas.microsoft.com/office/drawing/2014/main" id="{991E5B02-2F4E-2883-A7EB-1E969B6F0217}"/>
+                <a16:creationId xmlns:a16="http://schemas.microsoft.com/office/drawing/2014/main" id="{F3C785BD-52A7-C02E-6897-7BE60A594060}"/>
               </a:ext>
             </a:extLst>
           </p:cNvPr>
@@ -6338,7 +6839,7 @@
         </p:nvSpPr>
         <p:spPr>
           <a:xfrm>
-            <a:off x="1030287" y="2450180"/>
+            <a:off x="1030287" y="2301093"/>
             <a:ext cx="10131425" cy="3649133"/>
           </a:xfrm>
         </p:spPr>
@@ -6348,42 +6849,15 @@
           </a:bodyPr>
           <a:lstStyle/>
           <a:p>
-            <a:pPr marL="0" indent="0">
-              <a:buNone/>
-            </a:pPr>
             <a:r>
               <a:rPr lang="it-IT" sz="2400" dirty="0"/>
-              <a:t>La simulazione della rete è stata effettuata con i seguenti parametri:</a:t>
+              <a:t>Ns3 è la libreria (per c++) che abbiamo utilizzato per simulare la rete</a:t>
             </a:r>
           </a:p>
           <a:p>
             <a:r>
               <a:rPr lang="it-IT" sz="2400" dirty="0"/>
-              <a:t>200 terminali</a:t>
-            </a:r>
-          </a:p>
-          <a:p>
-            <a:r>
-              <a:rPr lang="it-IT" sz="2400" dirty="0"/>
-              <a:t>20 antenne</a:t>
-            </a:r>
-          </a:p>
-          <a:p>
-            <a:r>
-              <a:rPr lang="it-IT" sz="2400" dirty="0"/>
-              <a:t>1 ora di durata della simulazione</a:t>
-            </a:r>
-          </a:p>
-          <a:p>
-            <a:r>
-              <a:rPr lang="it-IT" sz="2400" dirty="0"/>
-              <a:t>10000 metri quadrati di spazio di movimento dei terminali</a:t>
-            </a:r>
-          </a:p>
-          <a:p>
-            <a:r>
-              <a:rPr lang="it-IT" sz="2400" dirty="0"/>
-              <a:t>5 metri al secondo di velocità massima dei terminali</a:t>
+              <a:t>Ns3-dash è il modulo aggiuntivo per ns3 che permette di simulare l’utilizzo del protocollo dash</a:t>
             </a:r>
           </a:p>
         </p:txBody>
@@ -6391,7 +6865,7 @@
     </p:spTree>
     <p:extLst>
       <p:ext uri="{BB962C8B-B14F-4D97-AF65-F5344CB8AC3E}">
-        <p14:creationId xmlns:p14="http://schemas.microsoft.com/office/powerpoint/2010/main" val="2003757910"/>
+        <p14:creationId xmlns:p14="http://schemas.microsoft.com/office/powerpoint/2010/main" val="3593448370"/>
       </p:ext>
     </p:extLst>
   </p:cSld>
@@ -6423,7 +6897,7 @@
           <p:cNvPr id="2" name="Titolo 1">
             <a:extLst>
               <a:ext uri="{FF2B5EF4-FFF2-40B4-BE49-F238E27FC236}">
-                <a16:creationId xmlns:a16="http://schemas.microsoft.com/office/drawing/2014/main" id="{E06FB111-AB8C-26F8-7CCA-8CCA6BB83ED5}"/>
+                <a16:creationId xmlns:a16="http://schemas.microsoft.com/office/drawing/2014/main" id="{BE3F7B47-956F-E958-7CC4-6CAA2A78626F}"/>
               </a:ext>
             </a:extLst>
           </p:cNvPr>
@@ -6436,7 +6910,7 @@
         </p:nvSpPr>
         <p:spPr>
           <a:xfrm>
-            <a:off x="1030287" y="589721"/>
+            <a:off x="1030286" y="609600"/>
             <a:ext cx="10131425" cy="1456267"/>
           </a:xfrm>
         </p:spPr>
@@ -6451,68 +6925,75 @@
               <a:rPr lang="it-IT" sz="4400" dirty="0">
                 <a:latin typeface="Castellar" panose="020A0402060406010301" pitchFamily="18" charset="0"/>
               </a:rPr>
-              <a:t>Generazione dei dataset</a:t>
-            </a:r>
-          </a:p>
-        </p:txBody>
-      </p:sp>
-      <p:sp>
-        <p:nvSpPr>
-          <p:cNvPr id="3" name="Segnaposto contenuto 2">
+              <a:t>Topologia</a:t>
+            </a:r>
+          </a:p>
+        </p:txBody>
+      </p:sp>
+      <p:pic>
+        <p:nvPicPr>
+          <p:cNvPr id="1026" name="Picture 2" descr="Image">
             <a:extLst>
               <a:ext uri="{FF2B5EF4-FFF2-40B4-BE49-F238E27FC236}">
-                <a16:creationId xmlns:a16="http://schemas.microsoft.com/office/drawing/2014/main" id="{FE3FC40A-DC7F-6953-0FE6-E18C355662BA}"/>
+                <a16:creationId xmlns:a16="http://schemas.microsoft.com/office/drawing/2014/main" id="{5C213AE6-AEC7-35B9-76ED-28331322439B}"/>
               </a:ext>
             </a:extLst>
           </p:cNvPr>
-          <p:cNvSpPr>
-            <a:spLocks noGrp="1"/>
-          </p:cNvSpPr>
-          <p:nvPr>
-            <p:ph idx="1"/>
-          </p:nvPr>
-        </p:nvSpPr>
-        <p:spPr>
-          <a:xfrm>
-            <a:off x="685801" y="2142067"/>
-            <a:ext cx="10131425" cy="3940681"/>
-          </a:xfrm>
-        </p:spPr>
-        <p:txBody>
-          <a:bodyPr>
-            <a:normAutofit lnSpcReduction="10000"/>
-          </a:bodyPr>
-          <a:lstStyle/>
-          <a:p>
-            <a:r>
-              <a:rPr lang="it-IT" sz="2400" dirty="0"/>
-              <a:t>Dalla simulazione vengono estratti quattro log relativi alle diverse statistiche di rete di interesse (discusse nel seguito)</a:t>
-            </a:r>
-          </a:p>
-          <a:p>
-            <a:r>
-              <a:rPr lang="it-IT" sz="2400" dirty="0"/>
-              <a:t>Tramite uno script Python vengono generati due dataset unendo, in modo coerente, i vari file di log</a:t>
-            </a:r>
-          </a:p>
-          <a:p>
-            <a:r>
-              <a:rPr lang="it-IT" sz="2400" dirty="0"/>
-              <a:t>Il primo dataset contiene unicamente le statistiche relative ai dati ricevuti dai nodi, ogni istanza del dataset corrisponde ad un segmento di video ricevuto da un nodo</a:t>
-            </a:r>
-          </a:p>
-          <a:p>
-            <a:r>
-              <a:rPr lang="it-IT" sz="2400" dirty="0"/>
-              <a:t>Il secondo dataset contiene le stesse statistiche e, in aggiunta, le informazioni relative allo stato della rete. In questo caso tra le istanze del dataset intercorrono 0.5 secondi</a:t>
-            </a:r>
-          </a:p>
-        </p:txBody>
-      </p:sp>
+          <p:cNvPicPr>
+            <a:picLocks noChangeAspect="1" noChangeArrowheads="1"/>
+          </p:cNvPicPr>
+          <p:nvPr/>
+        </p:nvPicPr>
+        <p:blipFill>
+          <a:blip r:embed="rId2">
+            <a:extLst>
+              <a:ext uri="{28A0092B-C50C-407E-A947-70E740481C1C}">
+                <a14:useLocalDpi xmlns:a14="http://schemas.microsoft.com/office/drawing/2010/main" val="0"/>
+              </a:ext>
+            </a:extLst>
+          </a:blip>
+          <a:srcRect/>
+          <a:stretch>
+            <a:fillRect/>
+          </a:stretch>
+        </p:blipFill>
+        <p:spPr bwMode="auto">
+          <a:xfrm>
+            <a:off x="1148961" y="2316139"/>
+            <a:ext cx="9894077" cy="3932261"/>
+          </a:xfrm>
+          <a:prstGeom prst="rect">
+            <a:avLst/>
+          </a:prstGeom>
+          <a:noFill/>
+          <a:ln>
+            <a:noFill/>
+          </a:ln>
+          <a:extLst>
+            <a:ext uri="{909E8E84-426E-40DD-AFC4-6F175D3DCCD1}">
+              <a14:hiddenFill xmlns:a14="http://schemas.microsoft.com/office/drawing/2010/main">
+                <a:solidFill>
+                  <a:srgbClr val="FFFFFF"/>
+                </a:solidFill>
+              </a14:hiddenFill>
+            </a:ext>
+            <a:ext uri="{91240B29-F687-4F45-9708-019B960494DF}">
+              <a14:hiddenLine xmlns:a14="http://schemas.microsoft.com/office/drawing/2010/main" w="9525">
+                <a:solidFill>
+                  <a:srgbClr val="000000"/>
+                </a:solidFill>
+                <a:miter lim="800000"/>
+                <a:headEnd/>
+                <a:tailEnd/>
+              </a14:hiddenLine>
+            </a:ext>
+          </a:extLst>
+        </p:spPr>
+      </p:pic>
     </p:spTree>
     <p:extLst>
       <p:ext uri="{BB962C8B-B14F-4D97-AF65-F5344CB8AC3E}">
-        <p14:creationId xmlns:p14="http://schemas.microsoft.com/office/powerpoint/2010/main" val="2673106094"/>
+        <p14:creationId xmlns:p14="http://schemas.microsoft.com/office/powerpoint/2010/main" val="2129944644"/>
       </p:ext>
     </p:extLst>
   </p:cSld>
@@ -6544,7 +7025,7 @@
           <p:cNvPr id="2" name="Titolo 1">
             <a:extLst>
               <a:ext uri="{FF2B5EF4-FFF2-40B4-BE49-F238E27FC236}">
-                <a16:creationId xmlns:a16="http://schemas.microsoft.com/office/drawing/2014/main" id="{9A4B2A19-354E-35AB-9237-5A207DCDC072}"/>
+                <a16:creationId xmlns:a16="http://schemas.microsoft.com/office/drawing/2014/main" id="{E3B14A35-5A6D-001E-06FA-B47DB50D701F}"/>
               </a:ext>
             </a:extLst>
           </p:cNvPr>
@@ -6557,7 +7038,7 @@
         </p:nvSpPr>
         <p:spPr>
           <a:xfrm>
-            <a:off x="1030287" y="536713"/>
+            <a:off x="1030287" y="516835"/>
             <a:ext cx="10131425" cy="1456267"/>
           </a:xfrm>
         </p:spPr>
@@ -6572,7 +7053,7 @@
               <a:rPr lang="it-IT" sz="4400" dirty="0">
                 <a:latin typeface="Castellar" panose="020A0402060406010301" pitchFamily="18" charset="0"/>
               </a:rPr>
-              <a:t>TRAFFICO DATI</a:t>
+              <a:t>simulazione</a:t>
             </a:r>
           </a:p>
         </p:txBody>
@@ -6582,7 +7063,7 @@
           <p:cNvPr id="3" name="Segnaposto contenuto 2">
             <a:extLst>
               <a:ext uri="{FF2B5EF4-FFF2-40B4-BE49-F238E27FC236}">
-                <a16:creationId xmlns:a16="http://schemas.microsoft.com/office/drawing/2014/main" id="{07F5DE6E-5344-6C0A-7D4D-4E11A33C3DA7}"/>
+                <a16:creationId xmlns:a16="http://schemas.microsoft.com/office/drawing/2014/main" id="{991E5B02-2F4E-2883-A7EB-1E969B6F0217}"/>
               </a:ext>
             </a:extLst>
           </p:cNvPr>
@@ -6595,13 +7076,13 @@
         </p:nvSpPr>
         <p:spPr>
           <a:xfrm>
-            <a:off x="1030287" y="2117035"/>
-            <a:ext cx="10131425" cy="4333461"/>
+            <a:off x="1030287" y="2450180"/>
+            <a:ext cx="10131425" cy="3649133"/>
           </a:xfrm>
         </p:spPr>
         <p:txBody>
           <a:bodyPr>
-            <a:normAutofit lnSpcReduction="10000"/>
+            <a:normAutofit/>
           </a:bodyPr>
           <a:lstStyle/>
           <a:p>
@@ -6610,58 +7091,45 @@
             </a:pPr>
             <a:r>
               <a:rPr lang="it-IT" sz="2400" dirty="0"/>
-              <a:t>I parametri relativi al traffico dati sono i seguenti:</a:t>
-            </a:r>
-          </a:p>
-          <a:p>
-            <a:r>
-              <a:rPr lang="en-US" sz="2400" dirty="0"/>
-              <a:t>dim_packets: dimensione media pacchetti ricevuti</a:t>
-            </a:r>
-          </a:p>
-          <a:p>
-            <a:r>
-              <a:rPr lang="en-US" sz="2400" dirty="0"/>
-              <a:t>count_packet: numero pacchetti ricevuti dall’inizio della simulazione</a:t>
-            </a:r>
-          </a:p>
-          <a:p>
-            <a:r>
-              <a:rPr lang="en-US" sz="2400" dirty="0"/>
-              <a:t>new_bit_rate: il bitrate attuale</a:t>
-            </a:r>
-          </a:p>
-          <a:p>
-            <a:r>
-              <a:rPr lang="en-US" sz="2400" dirty="0"/>
-              <a:t>old_bit_rate: il bitrate nella precedente istanza del dataset relativa al nodo considerato</a:t>
-            </a:r>
-          </a:p>
-          <a:p>
-            <a:r>
-              <a:rPr lang="en-US" sz="2400" dirty="0"/>
-              <a:t>est_bit_rate: il bitrate che l’algoritmo ipotizza nella successive istanza del dataset relativa al nodo considerato</a:t>
-            </a:r>
-          </a:p>
-          <a:p>
-            <a:r>
-              <a:rPr lang="en-US" sz="2400" dirty="0"/>
-              <a:t>inter_time: tempo intercorso tra un’istanza e la successive senza invio dati</a:t>
-            </a:r>
-          </a:p>
-          <a:p>
-            <a:r>
-              <a:rPr lang="en-US" sz="2400" dirty="0"/>
-              <a:t>throughput: throughput medio calcolato dall’inizio della simulazione</a:t>
-            </a:r>
-            <a:endParaRPr lang="it-IT" sz="2400" dirty="0"/>
+              <a:t>La simulazione della rete è stata effettuata con i seguenti parametri:</a:t>
+            </a:r>
+          </a:p>
+          <a:p>
+            <a:r>
+              <a:rPr lang="it-IT" sz="2400" dirty="0"/>
+              <a:t>200 terminali</a:t>
+            </a:r>
+          </a:p>
+          <a:p>
+            <a:r>
+              <a:rPr lang="it-IT" sz="2400" dirty="0"/>
+              <a:t>20 antenne</a:t>
+            </a:r>
+          </a:p>
+          <a:p>
+            <a:r>
+              <a:rPr lang="it-IT" sz="2400" dirty="0"/>
+              <a:t>1 ora di durata della simulazione</a:t>
+            </a:r>
+          </a:p>
+          <a:p>
+            <a:r>
+              <a:rPr lang="it-IT" sz="2400" dirty="0"/>
+              <a:t>Terminali liberi di muoversi su un quadrato di lato 10000 metri</a:t>
+            </a:r>
+          </a:p>
+          <a:p>
+            <a:r>
+              <a:rPr lang="it-IT" sz="2400" dirty="0"/>
+              <a:t>5 metri al secondo di velocità massima dei terminali</a:t>
+            </a:r>
           </a:p>
         </p:txBody>
       </p:sp>
     </p:spTree>
     <p:extLst>
       <p:ext uri="{BB962C8B-B14F-4D97-AF65-F5344CB8AC3E}">
-        <p14:creationId xmlns:p14="http://schemas.microsoft.com/office/powerpoint/2010/main" val="1539517710"/>
+        <p14:creationId xmlns:p14="http://schemas.microsoft.com/office/powerpoint/2010/main" val="2003757910"/>
       </p:ext>
     </p:extLst>
   </p:cSld>
@@ -6693,7 +7161,7 @@
           <p:cNvPr id="2" name="Titolo 1">
             <a:extLst>
               <a:ext uri="{FF2B5EF4-FFF2-40B4-BE49-F238E27FC236}">
-                <a16:creationId xmlns:a16="http://schemas.microsoft.com/office/drawing/2014/main" id="{AA9A4D8B-5601-F891-FF5E-D0FDD49EA31F}"/>
+                <a16:creationId xmlns:a16="http://schemas.microsoft.com/office/drawing/2014/main" id="{E06FB111-AB8C-26F8-7CCA-8CCA6BB83ED5}"/>
               </a:ext>
             </a:extLst>
           </p:cNvPr>
@@ -6706,12 +7174,14 @@
         </p:nvSpPr>
         <p:spPr>
           <a:xfrm>
-            <a:off x="1030286" y="559904"/>
+            <a:off x="1030287" y="589721"/>
             <a:ext cx="10131425" cy="1456267"/>
           </a:xfrm>
         </p:spPr>
         <p:txBody>
-          <a:bodyPr/>
+          <a:bodyPr>
+            <a:normAutofit/>
+          </a:bodyPr>
           <a:lstStyle/>
           <a:p>
             <a:pPr algn="ctr"/>
@@ -6719,9 +7189,8 @@
               <a:rPr lang="it-IT" sz="4400" dirty="0">
                 <a:latin typeface="Castellar" panose="020A0402060406010301" pitchFamily="18" charset="0"/>
               </a:rPr>
-              <a:t>MAC/MCS</a:t>
-            </a:r>
-            <a:endParaRPr lang="it-IT" dirty="0"/>
+              <a:t>Generazione dei dataset</a:t>
+            </a:r>
           </a:p>
         </p:txBody>
       </p:sp>
@@ -6730,7 +7199,7 @@
           <p:cNvPr id="3" name="Segnaposto contenuto 2">
             <a:extLst>
               <a:ext uri="{FF2B5EF4-FFF2-40B4-BE49-F238E27FC236}">
-                <a16:creationId xmlns:a16="http://schemas.microsoft.com/office/drawing/2014/main" id="{808DF9F2-5944-7BE0-1DDB-9FB7B61AE5DD}"/>
+                <a16:creationId xmlns:a16="http://schemas.microsoft.com/office/drawing/2014/main" id="{FE3FC40A-DC7F-6953-0FE6-E18C355662BA}"/>
               </a:ext>
             </a:extLst>
           </p:cNvPr>
@@ -6743,49 +7212,53 @@
         </p:nvSpPr>
         <p:spPr>
           <a:xfrm>
-            <a:off x="1030287" y="2509815"/>
-            <a:ext cx="10131425" cy="3649133"/>
+            <a:off x="685801" y="2142067"/>
+            <a:ext cx="10131425" cy="3940681"/>
           </a:xfrm>
         </p:spPr>
         <p:txBody>
           <a:bodyPr>
-            <a:normAutofit/>
+            <a:normAutofit lnSpcReduction="10000"/>
           </a:bodyPr>
           <a:lstStyle/>
           <a:p>
             <a:r>
-              <a:rPr lang="it-IT" sz="2400" dirty="0" err="1"/>
-              <a:t>mac</a:t>
-            </a:r>
-            <a:r>
               <a:rPr lang="it-IT" sz="2400" dirty="0"/>
-              <a:t> throughput: il throughput calcolato sugli indirizzi </a:t>
-            </a:r>
-            <a:r>
-              <a:rPr lang="it-IT" sz="2400" dirty="0" err="1"/>
-              <a:t>mac</a:t>
-            </a:r>
-            <a:endParaRPr lang="it-IT" sz="2400" dirty="0"/>
-          </a:p>
-          <a:p>
-            <a:r>
-              <a:rPr lang="it-IT" sz="2400" dirty="0" err="1"/>
-              <a:t>mcs</a:t>
-            </a:r>
+              <a:t>Dalla simulazione vengono estratti quattro log relativi alle diverse statistiche di rete di interesse (discusse nel seguito)</a:t>
+            </a:r>
+          </a:p>
+          <a:p>
             <a:r>
               <a:rPr lang="it-IT" sz="2400" dirty="0"/>
-              <a:t>: per questo parametro relativo allo stato della rete cellulare sono state calcolate le statistiche relative alla moda, alla mediana, il valore minimo e massimo</a:t>
-            </a:r>
-          </a:p>
-          <a:p>
-            <a:endParaRPr lang="it-IT" sz="2400" dirty="0"/>
+              <a:t>Tramite uno script Python vengono generati due dataset unendo, in modo coerente, i vari file di log</a:t>
+            </a:r>
+          </a:p>
+          <a:p>
+            <a:r>
+              <a:rPr lang="it-IT" sz="2400" dirty="0"/>
+              <a:t>Il primo dataset contiene unicamente le statistiche relative ai dati ricevuti dai nodi, ogni istanza del dataset viene generata alla completa ricezione di un segmento del video, </a:t>
+            </a:r>
+            <a:r>
+              <a:rPr lang="it-IT" sz="2400"/>
+              <a:t>da parte di </a:t>
+            </a:r>
+            <a:r>
+              <a:rPr lang="it-IT" sz="2400" dirty="0"/>
+              <a:t>un nodo</a:t>
+            </a:r>
+          </a:p>
+          <a:p>
+            <a:r>
+              <a:rPr lang="it-IT" sz="2400" dirty="0"/>
+              <a:t>Il secondo dataset contiene le stesse statistiche e, in aggiunta, le informazioni relative allo stato della rete. In questo caso tra le istanze del dataset intercorrono 0.5 secondi</a:t>
+            </a:r>
           </a:p>
         </p:txBody>
       </p:sp>
     </p:spTree>
     <p:extLst>
       <p:ext uri="{BB962C8B-B14F-4D97-AF65-F5344CB8AC3E}">
-        <p14:creationId xmlns:p14="http://schemas.microsoft.com/office/powerpoint/2010/main" val="129860624"/>
+        <p14:creationId xmlns:p14="http://schemas.microsoft.com/office/powerpoint/2010/main" val="2673106094"/>
       </p:ext>
     </p:extLst>
   </p:cSld>
@@ -6817,7 +7290,7 @@
           <p:cNvPr id="2" name="Titolo 1">
             <a:extLst>
               <a:ext uri="{FF2B5EF4-FFF2-40B4-BE49-F238E27FC236}">
-                <a16:creationId xmlns:a16="http://schemas.microsoft.com/office/drawing/2014/main" id="{AC18AEE3-945C-BB04-3965-E6405CCE31E4}"/>
+                <a16:creationId xmlns:a16="http://schemas.microsoft.com/office/drawing/2014/main" id="{9A4B2A19-354E-35AB-9237-5A207DCDC072}"/>
               </a:ext>
             </a:extLst>
           </p:cNvPr>
@@ -6830,7 +7303,7 @@
         </p:nvSpPr>
         <p:spPr>
           <a:xfrm>
-            <a:off x="1030287" y="685800"/>
+            <a:off x="1030287" y="536713"/>
             <a:ext cx="10131425" cy="1456267"/>
           </a:xfrm>
         </p:spPr>
@@ -6845,7 +7318,7 @@
               <a:rPr lang="it-IT" sz="4400" dirty="0">
                 <a:latin typeface="Castellar" panose="020A0402060406010301" pitchFamily="18" charset="0"/>
               </a:rPr>
-              <a:t>RSRP/SINR</a:t>
+              <a:t>TRAFFICO DATI</a:t>
             </a:r>
           </a:p>
         </p:txBody>
@@ -6855,7 +7328,7 @@
           <p:cNvPr id="3" name="Segnaposto contenuto 2">
             <a:extLst>
               <a:ext uri="{FF2B5EF4-FFF2-40B4-BE49-F238E27FC236}">
-                <a16:creationId xmlns:a16="http://schemas.microsoft.com/office/drawing/2014/main" id="{603195A7-363D-5543-2E23-60347E48E3D3}"/>
+                <a16:creationId xmlns:a16="http://schemas.microsoft.com/office/drawing/2014/main" id="{07F5DE6E-5344-6C0A-7D4D-4E11A33C3DA7}"/>
               </a:ext>
             </a:extLst>
           </p:cNvPr>
@@ -6868,13 +7341,13 @@
         </p:nvSpPr>
         <p:spPr>
           <a:xfrm>
-            <a:off x="1030287" y="2147221"/>
-            <a:ext cx="10131425" cy="3649133"/>
+            <a:off x="1030287" y="2117035"/>
+            <a:ext cx="10131425" cy="4333461"/>
           </a:xfrm>
         </p:spPr>
         <p:txBody>
           <a:bodyPr>
-            <a:normAutofit/>
+            <a:normAutofit lnSpcReduction="10000"/>
           </a:bodyPr>
           <a:lstStyle/>
           <a:p>
@@ -6883,40 +7356,58 @@
             </a:pPr>
             <a:r>
               <a:rPr lang="it-IT" sz="2400" dirty="0"/>
-              <a:t>Questi due parametri sono relativi allo stato della rete cellulare. </a:t>
-            </a:r>
-          </a:p>
-          <a:p>
-            <a:pPr marL="0" indent="0">
-              <a:buNone/>
-            </a:pPr>
-            <a:r>
-              <a:rPr lang="it-IT" sz="2400" dirty="0"/>
-              <a:t>Per i valori relativi al parametro </a:t>
-            </a:r>
-            <a:r>
-              <a:rPr lang="it-IT" sz="2400" dirty="0" err="1"/>
-              <a:t>rsrp</a:t>
-            </a:r>
-            <a:r>
-              <a:rPr lang="it-IT" sz="2400" dirty="0"/>
-              <a:t> sono state calcolate media e mediana, mentre per il parametro </a:t>
-            </a:r>
-            <a:r>
-              <a:rPr lang="it-IT" sz="2400" dirty="0" err="1"/>
-              <a:t>sinr</a:t>
-            </a:r>
-            <a:r>
-              <a:rPr lang="it-IT" sz="2400" dirty="0"/>
-              <a:t> solo la media.</a:t>
-            </a:r>
+              <a:t>I parametri relativi al traffico dati sono i seguenti:</a:t>
+            </a:r>
+          </a:p>
+          <a:p>
+            <a:r>
+              <a:rPr lang="en-US" sz="2400" dirty="0"/>
+              <a:t>dim_packets: dimensione media pacchetti ricevuti</a:t>
+            </a:r>
+          </a:p>
+          <a:p>
+            <a:r>
+              <a:rPr lang="en-US" sz="2400" dirty="0"/>
+              <a:t>count_packet: numero pacchetti ricevuti dall’inizio della simulazione</a:t>
+            </a:r>
+          </a:p>
+          <a:p>
+            <a:r>
+              <a:rPr lang="en-US" sz="2400" dirty="0"/>
+              <a:t>new_bit_rate: il bitrate attuale</a:t>
+            </a:r>
+          </a:p>
+          <a:p>
+            <a:r>
+              <a:rPr lang="en-US" sz="2400" dirty="0"/>
+              <a:t>old_bit_rate: il bitrate nella precedente istanza del dataset relativa al nodo considerato</a:t>
+            </a:r>
+          </a:p>
+          <a:p>
+            <a:r>
+              <a:rPr lang="en-US" sz="2400" dirty="0"/>
+              <a:t>est_bit_rate: il bitrate che l’algoritmo ipotizza nella successive istanza del dataset relativa al nodo considerato</a:t>
+            </a:r>
+          </a:p>
+          <a:p>
+            <a:r>
+              <a:rPr lang="en-US" sz="2400" dirty="0"/>
+              <a:t>inter_time: tempo intercorso tra un’istanza e la successive senza invio dati</a:t>
+            </a:r>
+          </a:p>
+          <a:p>
+            <a:r>
+              <a:rPr lang="en-US" sz="2400" dirty="0"/>
+              <a:t>throughput: throughput medio calcolato dall’inizio della simulazione</a:t>
+            </a:r>
+            <a:endParaRPr lang="it-IT" sz="2400" dirty="0"/>
           </a:p>
         </p:txBody>
       </p:sp>
     </p:spTree>
     <p:extLst>
       <p:ext uri="{BB962C8B-B14F-4D97-AF65-F5344CB8AC3E}">
-        <p14:creationId xmlns:p14="http://schemas.microsoft.com/office/powerpoint/2010/main" val="4262540859"/>
+        <p14:creationId xmlns:p14="http://schemas.microsoft.com/office/powerpoint/2010/main" val="1539517710"/>
       </p:ext>
     </p:extLst>
   </p:cSld>
@@ -6948,7 +7439,7 @@
           <p:cNvPr id="2" name="Titolo 1">
             <a:extLst>
               <a:ext uri="{FF2B5EF4-FFF2-40B4-BE49-F238E27FC236}">
-                <a16:creationId xmlns:a16="http://schemas.microsoft.com/office/drawing/2014/main" id="{ED503F89-7774-6CE3-DD6A-5D5958CAE10D}"/>
+                <a16:creationId xmlns:a16="http://schemas.microsoft.com/office/drawing/2014/main" id="{AA9A4D8B-5601-F891-FF5E-D0FDD49EA31F}"/>
               </a:ext>
             </a:extLst>
           </p:cNvPr>
@@ -6961,8 +7452,45 @@
         </p:nvSpPr>
         <p:spPr>
           <a:xfrm>
-            <a:off x="1030287" y="477078"/>
+            <a:off x="1030286" y="559904"/>
             <a:ext cx="10131425" cy="1456267"/>
+          </a:xfrm>
+        </p:spPr>
+        <p:txBody>
+          <a:bodyPr/>
+          <a:lstStyle/>
+          <a:p>
+            <a:pPr algn="ctr"/>
+            <a:r>
+              <a:rPr lang="it-IT" sz="4400" dirty="0">
+                <a:latin typeface="Castellar" panose="020A0402060406010301" pitchFamily="18" charset="0"/>
+              </a:rPr>
+              <a:t>MAC/MCS</a:t>
+            </a:r>
+            <a:endParaRPr lang="it-IT" dirty="0"/>
+          </a:p>
+        </p:txBody>
+      </p:sp>
+      <p:sp>
+        <p:nvSpPr>
+          <p:cNvPr id="3" name="Segnaposto contenuto 2">
+            <a:extLst>
+              <a:ext uri="{FF2B5EF4-FFF2-40B4-BE49-F238E27FC236}">
+                <a16:creationId xmlns:a16="http://schemas.microsoft.com/office/drawing/2014/main" id="{808DF9F2-5944-7BE0-1DDB-9FB7B61AE5DD}"/>
+              </a:ext>
+            </a:extLst>
+          </p:cNvPr>
+          <p:cNvSpPr>
+            <a:spLocks noGrp="1"/>
+          </p:cNvSpPr>
+          <p:nvPr>
+            <p:ph idx="1"/>
+          </p:nvPr>
+        </p:nvSpPr>
+        <p:spPr>
+          <a:xfrm>
+            <a:off x="1030287" y="2509815"/>
+            <a:ext cx="10131425" cy="3649133"/>
           </a:xfrm>
         </p:spPr>
         <p:txBody>
@@ -6971,56 +7499,39 @@
           </a:bodyPr>
           <a:lstStyle/>
           <a:p>
-            <a:pPr algn="ctr"/>
-            <a:r>
-              <a:rPr lang="it-IT" sz="4400" dirty="0">
-                <a:latin typeface="Castellar" panose="020A0402060406010301" pitchFamily="18" charset="0"/>
-              </a:rPr>
-              <a:t>Log_o5.csv</a:t>
-            </a:r>
-          </a:p>
-        </p:txBody>
-      </p:sp>
-      <p:pic>
-        <p:nvPicPr>
-          <p:cNvPr id="5" name="Immagine 4">
-            <a:extLst>
-              <a:ext uri="{FF2B5EF4-FFF2-40B4-BE49-F238E27FC236}">
-                <a16:creationId xmlns:a16="http://schemas.microsoft.com/office/drawing/2014/main" id="{208D43CD-BC4B-25A3-FD1D-15A53FD7E4AA}"/>
-              </a:ext>
-            </a:extLst>
-          </p:cNvPr>
-          <p:cNvPicPr>
-            <a:picLocks noChangeAspect="1"/>
-          </p:cNvPicPr>
-          <p:nvPr/>
-        </p:nvPicPr>
-        <p:blipFill>
-          <a:blip r:embed="rId2">
-            <a:extLst>
-              <a:ext uri="{28A0092B-C50C-407E-A947-70E740481C1C}">
-                <a14:useLocalDpi xmlns:a14="http://schemas.microsoft.com/office/drawing/2010/main" val="0"/>
-              </a:ext>
-            </a:extLst>
-          </a:blip>
-          <a:stretch>
-            <a:fillRect/>
-          </a:stretch>
-        </p:blipFill>
-        <p:spPr>
-          <a:xfrm>
-            <a:off x="604014" y="2804262"/>
-            <a:ext cx="10983969" cy="2960433"/>
-          </a:xfrm>
-          <a:prstGeom prst="rect">
-            <a:avLst/>
-          </a:prstGeom>
-        </p:spPr>
-      </p:pic>
+            <a:r>
+              <a:rPr lang="it-IT" sz="2400" dirty="0" err="1"/>
+              <a:t>mac</a:t>
+            </a:r>
+            <a:r>
+              <a:rPr lang="it-IT" sz="2400" dirty="0"/>
+              <a:t> throughput: il throughput calcolato a livello </a:t>
+            </a:r>
+            <a:r>
+              <a:rPr lang="it-IT" sz="2400" dirty="0" err="1"/>
+              <a:t>mac</a:t>
+            </a:r>
+            <a:endParaRPr lang="it-IT" sz="2400" dirty="0"/>
+          </a:p>
+          <a:p>
+            <a:r>
+              <a:rPr lang="it-IT" sz="2400" dirty="0" err="1"/>
+              <a:t>mcs</a:t>
+            </a:r>
+            <a:r>
+              <a:rPr lang="it-IT" sz="2400" dirty="0"/>
+              <a:t>: per questo parametro relativo allo stato della rete cellulare sono state calcolate le statistiche relative alla moda, alla mediana, il valore minimo e massimo</a:t>
+            </a:r>
+          </a:p>
+          <a:p>
+            <a:endParaRPr lang="it-IT" sz="2400" dirty="0"/>
+          </a:p>
+        </p:txBody>
+      </p:sp>
     </p:spTree>
     <p:extLst>
       <p:ext uri="{BB962C8B-B14F-4D97-AF65-F5344CB8AC3E}">
-        <p14:creationId xmlns:p14="http://schemas.microsoft.com/office/powerpoint/2010/main" val="2407907255"/>
+        <p14:creationId xmlns:p14="http://schemas.microsoft.com/office/powerpoint/2010/main" val="129860624"/>
       </p:ext>
     </p:extLst>
   </p:cSld>
